--- a/Steganography_AICTE.pptx
+++ b/Steganography_AICTE.pptx
@@ -6413,7 +6413,7 @@
         </p:spPr>
         <p:txBody>
           <a:bodyPr>
-            <a:normAutofit fontScale="85000" lnSpcReduction="20000"/>
+            <a:normAutofit fontScale="85000" lnSpcReduction="10000"/>
           </a:bodyPr>
           <a:lstStyle/>
           <a:p>
@@ -6423,15 +6423,6 @@
                 <a:cs typeface="Arial" panose="020B0604020202020204" pitchFamily="34" charset="0"/>
               </a:rPr>
               <a:t>Repository: </a:t>
-            </a:r>
-          </a:p>
-          <a:p>
-            <a:r>
-              <a:rPr lang="en-US" sz="2600" b="1" dirty="0">
-                <a:latin typeface="Arial" panose="020B0604020202020204" pitchFamily="34" charset="0"/>
-                <a:cs typeface="Arial" panose="020B0604020202020204" pitchFamily="34" charset="0"/>
-              </a:rPr>
-              <a:t>README File : </a:t>
             </a:r>
             <a:r>
               <a:rPr lang="en-US" sz="2600" b="1" dirty="0">
@@ -6439,7 +6430,7 @@
                 <a:cs typeface="Arial" panose="020B0604020202020204" pitchFamily="34" charset="0"/>
                 <a:hlinkClick r:id="rId2"/>
               </a:rPr>
-              <a:t>https://github.com/devilakshmid19/steganography/blob/main/README.md</a:t>
+              <a:t>https://github.com/devilakshmid19/steganography/</a:t>
             </a:r>
             <a:endParaRPr lang="en-US" sz="2600" b="1" dirty="0">
               <a:latin typeface="Arial" panose="020B0604020202020204" pitchFamily="34" charset="0"/>
@@ -6452,7 +6443,7 @@
                 <a:latin typeface="Arial" panose="020B0604020202020204" pitchFamily="34" charset="0"/>
                 <a:cs typeface="Arial" panose="020B0604020202020204" pitchFamily="34" charset="0"/>
               </a:rPr>
-              <a:t>Live Project : </a:t>
+              <a:t>README File : </a:t>
             </a:r>
             <a:r>
               <a:rPr lang="en-US" sz="2600" b="1" dirty="0">
@@ -6460,7 +6451,7 @@
                 <a:cs typeface="Arial" panose="020B0604020202020204" pitchFamily="34" charset="0"/>
                 <a:hlinkClick r:id="rId3"/>
               </a:rPr>
-              <a:t>https://steganography-7dvxmx9kaewhhsh7c3aayn.streamlit.app/</a:t>
+              <a:t>https://github.com/devilakshmid19/steganography/blob/main/README.md</a:t>
             </a:r>
             <a:endParaRPr lang="en-US" sz="2600" b="1" dirty="0">
               <a:latin typeface="Arial" panose="020B0604020202020204" pitchFamily="34" charset="0"/>
@@ -6468,10 +6459,22 @@
             </a:endParaRPr>
           </a:p>
           <a:p>
-            <a:pPr marL="0" indent="0">
-              <a:buNone/>
-            </a:pPr>
-            <a:endParaRPr lang="en-US" sz="2000" b="1" dirty="0">
+            <a:r>
+              <a:rPr lang="en-US" sz="2600" b="1" dirty="0">
+                <a:latin typeface="Arial" panose="020B0604020202020204" pitchFamily="34" charset="0"/>
+                <a:cs typeface="Arial" panose="020B0604020202020204" pitchFamily="34" charset="0"/>
+              </a:rPr>
+              <a:t>Live Project : </a:t>
+            </a:r>
+            <a:r>
+              <a:rPr lang="en-US" sz="2600" b="1" dirty="0">
+                <a:latin typeface="Arial" panose="020B0604020202020204" pitchFamily="34" charset="0"/>
+                <a:cs typeface="Arial" panose="020B0604020202020204" pitchFamily="34" charset="0"/>
+                <a:hlinkClick r:id="rId4"/>
+              </a:rPr>
+              <a:t>https://devilakshmid19.github.io/steganography/</a:t>
+            </a:r>
+            <a:endParaRPr lang="en-US" sz="2600" b="1" dirty="0">
               <a:latin typeface="Arial" panose="020B0604020202020204" pitchFamily="34" charset="0"/>
               <a:cs typeface="Arial" panose="020B0604020202020204" pitchFamily="34" charset="0"/>
             </a:endParaRPr>
@@ -7071,6 +7074,23 @@
 </file>
 
 <file path=customXml/item1.xml><?xml version="1.0" encoding="utf-8"?>
+<p:properties xmlns:p="http://schemas.microsoft.com/office/2006/metadata/properties" xmlns:xsi="http://www.w3.org/2001/XMLSchema-instance" xmlns:pc="http://schemas.microsoft.com/office/infopath/2007/PartnerControls">
+  <documentManagement>
+    <_activity xmlns="b30265f8-c5e2-4918-b4a1-b977299ca3e2" xsi:nil="true"/>
+  </documentManagement>
+</p:properties>
+</file>
+
+<file path=customXml/item2.xml><?xml version="1.0" encoding="utf-8"?>
+<?mso-contentType ?>
+<FormTemplates xmlns="http://schemas.microsoft.com/sharepoint/v3/contenttype/forms">
+  <Display>DocumentLibraryForm</Display>
+  <Edit>DocumentLibraryForm</Edit>
+  <New>DocumentLibraryForm</New>
+</FormTemplates>
+</file>
+
+<file path=customXml/item3.xml><?xml version="1.0" encoding="utf-8"?>
 <ct:contentTypeSchema xmlns:ct="http://schemas.microsoft.com/office/2006/metadata/contentType" xmlns:ma="http://schemas.microsoft.com/office/2006/metadata/properties/metaAttributes" ct:_="" ma:_="" ma:contentTypeName="Document" ma:contentTypeID="0x0101007F0268AC5E70984D8FE60B7154176407" ma:contentTypeVersion="15" ma:contentTypeDescription="Create a new document." ma:contentTypeScope="" ma:versionID="104e359103f0f57b1cf9676756e5b944">
   <xsd:schema xmlns:xsd="http://www.w3.org/2001/XMLSchema" xmlns:xs="http://www.w3.org/2001/XMLSchema" xmlns:p="http://schemas.microsoft.com/office/2006/metadata/properties" xmlns:ns3="b30265f8-c5e2-4918-b4a1-b977299ca3e2" xmlns:ns4="fadb41d3-f9cb-40fb-903c-8cacaba95bb5" targetNamespace="http://schemas.microsoft.com/office/2006/metadata/properties" ma:root="true" ma:fieldsID="5615b8f8aa772998bad551f24a33de0e" ns3:_="" ns4:_="">
     <xsd:import namespace="b30265f8-c5e2-4918-b4a1-b977299ca3e2"/>
@@ -7303,24 +7323,32 @@
 </ct:contentTypeSchema>
 </file>
 
-<file path=customXml/item2.xml><?xml version="1.0" encoding="utf-8"?>
-<?mso-contentType ?>
-<FormTemplates xmlns="http://schemas.microsoft.com/sharepoint/v3/contenttype/forms">
-  <Display>DocumentLibraryForm</Display>
-  <Edit>DocumentLibraryForm</Edit>
-  <New>DocumentLibraryForm</New>
-</FormTemplates>
+<file path=customXml/itemProps1.xml><?xml version="1.0" encoding="utf-8"?>
+<ds:datastoreItem xmlns:ds="http://schemas.openxmlformats.org/officeDocument/2006/customXml" ds:itemID="{8D289AE2-D2AE-49D1-AFAC-3A79F6794255}">
+  <ds:schemaRefs>
+    <ds:schemaRef ds:uri="http://purl.org/dc/terms/"/>
+    <ds:schemaRef ds:uri="http://purl.org/dc/elements/1.1/"/>
+    <ds:schemaRef ds:uri="http://schemas.microsoft.com/office/infopath/2007/PartnerControls"/>
+    <ds:schemaRef ds:uri="http://schemas.microsoft.com/office/2006/metadata/properties"/>
+    <ds:schemaRef ds:uri="http://schemas.microsoft.com/office/2006/documentManagement/types"/>
+    <ds:schemaRef ds:uri="http://schemas.openxmlformats.org/package/2006/metadata/core-properties"/>
+    <ds:schemaRef ds:uri="http://purl.org/dc/dcmitype/"/>
+    <ds:schemaRef ds:uri="http://www.w3.org/XML/1998/namespace"/>
+    <ds:schemaRef ds:uri="fadb41d3-f9cb-40fb-903c-8cacaba95bb5"/>
+    <ds:schemaRef ds:uri="b30265f8-c5e2-4918-b4a1-b977299ca3e2"/>
+  </ds:schemaRefs>
+</ds:datastoreItem>
 </file>
 
-<file path=customXml/item3.xml><?xml version="1.0" encoding="utf-8"?>
-<p:properties xmlns:p="http://schemas.microsoft.com/office/2006/metadata/properties" xmlns:xsi="http://www.w3.org/2001/XMLSchema-instance" xmlns:pc="http://schemas.microsoft.com/office/infopath/2007/PartnerControls">
-  <documentManagement>
-    <_activity xmlns="b30265f8-c5e2-4918-b4a1-b977299ca3e2" xsi:nil="true"/>
-  </documentManagement>
-</p:properties>
+<file path=customXml/itemProps2.xml><?xml version="1.0" encoding="utf-8"?>
+<ds:datastoreItem xmlns:ds="http://schemas.openxmlformats.org/officeDocument/2006/customXml" ds:itemID="{927BD4C1-B6B1-4715-ABF9-E660A51A4EA0}">
+  <ds:schemaRefs>
+    <ds:schemaRef ds:uri="http://schemas.microsoft.com/sharepoint/v3/contenttype/forms"/>
+  </ds:schemaRefs>
+</ds:datastoreItem>
 </file>
 
-<file path=customXml/itemProps1.xml><?xml version="1.0" encoding="utf-8"?>
+<file path=customXml/itemProps3.xml><?xml version="1.0" encoding="utf-8"?>
 <ds:datastoreItem xmlns:ds="http://schemas.openxmlformats.org/officeDocument/2006/customXml" ds:itemID="{9DD71778-17EE-4151-88AE-C8F4E8043BD9}">
   <ds:schemaRefs>
     <ds:schemaRef ds:uri="http://schemas.microsoft.com/office/2006/metadata/contentType"/>
@@ -7337,29 +7365,4 @@
     <ds:schemaRef ds:uri="http://schemas.microsoft.com/internal/obd"/>
   </ds:schemaRefs>
 </ds:datastoreItem>
-</file>
-
-<file path=customXml/itemProps2.xml><?xml version="1.0" encoding="utf-8"?>
-<ds:datastoreItem xmlns:ds="http://schemas.openxmlformats.org/officeDocument/2006/customXml" ds:itemID="{927BD4C1-B6B1-4715-ABF9-E660A51A4EA0}">
-  <ds:schemaRefs>
-    <ds:schemaRef ds:uri="http://schemas.microsoft.com/sharepoint/v3/contenttype/forms"/>
-  </ds:schemaRefs>
-</ds:datastoreItem>
-</file>
-
-<file path=customXml/itemProps3.xml><?xml version="1.0" encoding="utf-8"?>
-<ds:datastoreItem xmlns:ds="http://schemas.openxmlformats.org/officeDocument/2006/customXml" ds:itemID="{8D289AE2-D2AE-49D1-AFAC-3A79F6794255}">
-  <ds:schemaRefs>
-    <ds:schemaRef ds:uri="http://purl.org/dc/terms/"/>
-    <ds:schemaRef ds:uri="http://purl.org/dc/elements/1.1/"/>
-    <ds:schemaRef ds:uri="http://schemas.microsoft.com/office/infopath/2007/PartnerControls"/>
-    <ds:schemaRef ds:uri="http://schemas.microsoft.com/office/2006/metadata/properties"/>
-    <ds:schemaRef ds:uri="http://schemas.microsoft.com/office/2006/documentManagement/types"/>
-    <ds:schemaRef ds:uri="http://schemas.openxmlformats.org/package/2006/metadata/core-properties"/>
-    <ds:schemaRef ds:uri="http://purl.org/dc/dcmitype/"/>
-    <ds:schemaRef ds:uri="http://www.w3.org/XML/1998/namespace"/>
-    <ds:schemaRef ds:uri="fadb41d3-f9cb-40fb-903c-8cacaba95bb5"/>
-    <ds:schemaRef ds:uri="b30265f8-c5e2-4918-b4a1-b977299ca3e2"/>
-  </ds:schemaRefs>
-</ds:datastoreItem>
 </file>
--- a/Steganography_AICTE.pptx
+++ b/Steganography_AICTE.pptx
@@ -5,7 +5,7 @@
     <p:sldMasterId id="2147483712" r:id="rId4"/>
   </p:sldMasterIdLst>
   <p:notesMasterIdLst>
-    <p:notesMasterId r:id="rId16"/>
+    <p:notesMasterId r:id="rId17"/>
   </p:notesMasterIdLst>
   <p:sldIdLst>
     <p:sldId id="256" r:id="rId5"/>
@@ -15,10 +15,11 @@
     <p:sldId id="265" r:id="rId9"/>
     <p:sldId id="2146847057" r:id="rId10"/>
     <p:sldId id="2146847064" r:id="rId11"/>
-    <p:sldId id="2146847062" r:id="rId12"/>
-    <p:sldId id="2146847061" r:id="rId13"/>
-    <p:sldId id="2146847055" r:id="rId14"/>
-    <p:sldId id="259" r:id="rId15"/>
+    <p:sldId id="2146847065" r:id="rId12"/>
+    <p:sldId id="2146847062" r:id="rId13"/>
+    <p:sldId id="2146847061" r:id="rId14"/>
+    <p:sldId id="2146847055" r:id="rId15"/>
+    <p:sldId id="259" r:id="rId16"/>
   </p:sldIdLst>
   <p:sldSz cx="12192000" cy="6858000"/>
   <p:notesSz cx="6858000" cy="9144000"/>
@@ -4430,6 +4431,203 @@
       </p:grpSpPr>
       <p:sp>
         <p:nvSpPr>
+          <p:cNvPr id="2" name="Title 1">
+            <a:extLst>
+              <a:ext uri="{FF2B5EF4-FFF2-40B4-BE49-F238E27FC236}">
+                <a16:creationId xmlns:a16="http://schemas.microsoft.com/office/drawing/2014/main" id="{48E9F08C-D61F-627D-C4E5-397E3E84FC45}"/>
+              </a:ext>
+            </a:extLst>
+          </p:cNvPr>
+          <p:cNvSpPr>
+            <a:spLocks noGrp="1"/>
+          </p:cNvSpPr>
+          <p:nvPr>
+            <p:ph type="title"/>
+          </p:nvPr>
+        </p:nvSpPr>
+        <p:spPr/>
+        <p:txBody>
+          <a:bodyPr/>
+          <a:lstStyle/>
+          <a:p>
+            <a:r>
+              <a:rPr lang="en-IN" dirty="0">
+                <a:solidFill>
+                  <a:schemeClr val="accent1"/>
+                </a:solidFill>
+              </a:rPr>
+              <a:t>GitHub Link</a:t>
+            </a:r>
+          </a:p>
+        </p:txBody>
+      </p:sp>
+      <p:sp>
+        <p:nvSpPr>
+          <p:cNvPr id="3" name="Content Placeholder 2">
+            <a:extLst>
+              <a:ext uri="{FF2B5EF4-FFF2-40B4-BE49-F238E27FC236}">
+                <a16:creationId xmlns:a16="http://schemas.microsoft.com/office/drawing/2014/main" id="{51A299DD-46FA-7866-41D8-C1BFCC2F69DD}"/>
+              </a:ext>
+            </a:extLst>
+          </p:cNvPr>
+          <p:cNvSpPr>
+            <a:spLocks noGrp="1"/>
+          </p:cNvSpPr>
+          <p:nvPr>
+            <p:ph idx="1"/>
+          </p:nvPr>
+        </p:nvSpPr>
+        <p:spPr>
+          <a:xfrm>
+            <a:off x="581191" y="1499249"/>
+            <a:ext cx="11029615" cy="2696233"/>
+          </a:xfrm>
+        </p:spPr>
+        <p:txBody>
+          <a:bodyPr>
+            <a:normAutofit fontScale="85000" lnSpcReduction="10000"/>
+          </a:bodyPr>
+          <a:lstStyle/>
+          <a:p>
+            <a:r>
+              <a:rPr lang="en-US" sz="2600" b="1" dirty="0">
+                <a:latin typeface="Arial" panose="020B0604020202020204" pitchFamily="34" charset="0"/>
+                <a:cs typeface="Arial" panose="020B0604020202020204" pitchFamily="34" charset="0"/>
+              </a:rPr>
+              <a:t>Repository: </a:t>
+            </a:r>
+            <a:r>
+              <a:rPr lang="en-US" sz="2600" b="1" dirty="0">
+                <a:latin typeface="Arial" panose="020B0604020202020204" pitchFamily="34" charset="0"/>
+                <a:cs typeface="Arial" panose="020B0604020202020204" pitchFamily="34" charset="0"/>
+                <a:hlinkClick r:id="rId2"/>
+              </a:rPr>
+              <a:t>https://github.com/devilakshmid19/steganography/</a:t>
+            </a:r>
+            <a:endParaRPr lang="en-US" sz="2600" b="1" dirty="0">
+              <a:latin typeface="Arial" panose="020B0604020202020204" pitchFamily="34" charset="0"/>
+              <a:cs typeface="Arial" panose="020B0604020202020204" pitchFamily="34" charset="0"/>
+            </a:endParaRPr>
+          </a:p>
+          <a:p>
+            <a:r>
+              <a:rPr lang="en-US" sz="2600" b="1" dirty="0">
+                <a:latin typeface="Arial" panose="020B0604020202020204" pitchFamily="34" charset="0"/>
+                <a:cs typeface="Arial" panose="020B0604020202020204" pitchFamily="34" charset="0"/>
+              </a:rPr>
+              <a:t>README File : </a:t>
+            </a:r>
+            <a:r>
+              <a:rPr lang="en-US" sz="2600" b="1" dirty="0">
+                <a:latin typeface="Arial" panose="020B0604020202020204" pitchFamily="34" charset="0"/>
+                <a:cs typeface="Arial" panose="020B0604020202020204" pitchFamily="34" charset="0"/>
+                <a:hlinkClick r:id="rId3"/>
+              </a:rPr>
+              <a:t>https://github.com/devilakshmid19/steganography/blob/main/README.md</a:t>
+            </a:r>
+            <a:endParaRPr lang="en-US" sz="2600" b="1" dirty="0">
+              <a:latin typeface="Arial" panose="020B0604020202020204" pitchFamily="34" charset="0"/>
+              <a:cs typeface="Arial" panose="020B0604020202020204" pitchFamily="34" charset="0"/>
+            </a:endParaRPr>
+          </a:p>
+          <a:p>
+            <a:r>
+              <a:rPr lang="en-US" sz="2600" b="1" dirty="0">
+                <a:latin typeface="Arial" panose="020B0604020202020204" pitchFamily="34" charset="0"/>
+                <a:cs typeface="Arial" panose="020B0604020202020204" pitchFamily="34" charset="0"/>
+              </a:rPr>
+              <a:t>Live Project : </a:t>
+            </a:r>
+            <a:r>
+              <a:rPr lang="en-US" sz="2600" b="1" dirty="0">
+                <a:latin typeface="Arial" panose="020B0604020202020204" pitchFamily="34" charset="0"/>
+                <a:cs typeface="Arial" panose="020B0604020202020204" pitchFamily="34" charset="0"/>
+                <a:hlinkClick r:id="rId4"/>
+              </a:rPr>
+              <a:t>https://devilakshmid19.github.io/steganography/</a:t>
+            </a:r>
+            <a:r>
+              <a:rPr lang="en-US" sz="2600" b="1" dirty="0">
+                <a:latin typeface="Arial" panose="020B0604020202020204" pitchFamily="34" charset="0"/>
+                <a:cs typeface="Arial" panose="020B0604020202020204" pitchFamily="34" charset="0"/>
+              </a:rPr>
+              <a:t> (</a:t>
+            </a:r>
+            <a:r>
+              <a:rPr lang="en-US" sz="2600" b="1" dirty="0" err="1">
+                <a:latin typeface="Arial" panose="020B0604020202020204" pitchFamily="34" charset="0"/>
+                <a:cs typeface="Arial" panose="020B0604020202020204" pitchFamily="34" charset="0"/>
+              </a:rPr>
+              <a:t>github</a:t>
+            </a:r>
+            <a:r>
+              <a:rPr lang="en-US" sz="2600" b="1" dirty="0">
+                <a:latin typeface="Arial" panose="020B0604020202020204" pitchFamily="34" charset="0"/>
+                <a:cs typeface="Arial" panose="020B0604020202020204" pitchFamily="34" charset="0"/>
+              </a:rPr>
+              <a:t>)</a:t>
+            </a:r>
+          </a:p>
+          <a:p>
+            <a:r>
+              <a:rPr lang="en-US" sz="2000" b="1" dirty="0">
+                <a:latin typeface="Arial" panose="020B0604020202020204" pitchFamily="34" charset="0"/>
+                <a:cs typeface="Arial" panose="020B0604020202020204" pitchFamily="34" charset="0"/>
+                <a:hlinkClick r:id="rId5"/>
+              </a:rPr>
+              <a:t>https://steganography-data.streamlit.app/</a:t>
+            </a:r>
+            <a:r>
+              <a:rPr lang="en-US" sz="2000" b="1" dirty="0">
+                <a:latin typeface="Arial" panose="020B0604020202020204" pitchFamily="34" charset="0"/>
+                <a:cs typeface="Arial" panose="020B0604020202020204" pitchFamily="34" charset="0"/>
+              </a:rPr>
+              <a:t>(streamlit)</a:t>
+            </a:r>
+          </a:p>
+          <a:p>
+            <a:pPr marL="0" indent="0">
+              <a:buNone/>
+            </a:pPr>
+            <a:r>
+              <a:rPr lang="en-IN" dirty="0"/>
+              <a:t> </a:t>
+            </a:r>
+          </a:p>
+        </p:txBody>
+      </p:sp>
+    </p:spTree>
+    <p:extLst>
+      <p:ext uri="{BB962C8B-B14F-4D97-AF65-F5344CB8AC3E}">
+        <p14:creationId xmlns:p14="http://schemas.microsoft.com/office/powerpoint/2010/main" val="2230664768"/>
+      </p:ext>
+    </p:extLst>
+  </p:cSld>
+  <p:clrMapOvr>
+    <a:masterClrMapping/>
+  </p:clrMapOvr>
+</p:sld>
+</file>
+
+<file path=ppt/slides/slide11.xml><?xml version="1.0" encoding="utf-8"?>
+<p:sld xmlns:a="http://schemas.openxmlformats.org/drawingml/2006/main" xmlns:r="http://schemas.openxmlformats.org/officeDocument/2006/relationships" xmlns:p="http://schemas.openxmlformats.org/presentationml/2006/main">
+  <p:cSld>
+    <p:spTree>
+      <p:nvGrpSpPr>
+        <p:cNvPr id="1" name=""/>
+        <p:cNvGrpSpPr/>
+        <p:nvPr/>
+      </p:nvGrpSpPr>
+      <p:grpSpPr>
+        <a:xfrm>
+          <a:off x="0" y="0"/>
+          <a:ext cx="0" cy="0"/>
+          <a:chOff x="0" y="0"/>
+          <a:chExt cx="0" cy="0"/>
+        </a:xfrm>
+      </p:grpSpPr>
+      <p:sp>
+        <p:nvSpPr>
           <p:cNvPr id="3" name="Content Placeholder 2">
             <a:extLst>
               <a:ext uri="{FF2B5EF4-FFF2-40B4-BE49-F238E27FC236}">
@@ -4660,7 +4858,7 @@
 </p:sld>
 </file>
 
-<file path=ppt/slides/slide11.xml><?xml version="1.0" encoding="utf-8"?>
+<file path=ppt/slides/slide12.xml><?xml version="1.0" encoding="utf-8"?>
 <p:sld xmlns:a="http://schemas.openxmlformats.org/drawingml/2006/main" xmlns:r="http://schemas.openxmlformats.org/officeDocument/2006/relationships" xmlns:p="http://schemas.openxmlformats.org/presentationml/2006/main">
   <p:cSld>
     <p:spTree>
@@ -6236,7 +6434,7 @@
           <p:cNvPr id="2" name="Title 1">
             <a:extLst>
               <a:ext uri="{FF2B5EF4-FFF2-40B4-BE49-F238E27FC236}">
-                <a16:creationId xmlns:a16="http://schemas.microsoft.com/office/drawing/2014/main" id="{FA4C6B3D-1072-C2D2-EBFE-E33CABE394D1}"/>
+                <a16:creationId xmlns:a16="http://schemas.microsoft.com/office/drawing/2014/main" id="{C98B190B-16D8-2E4B-5FBB-36D8504911D0}"/>
               </a:ext>
             </a:extLst>
           </p:cNvPr>
@@ -6253,12 +6451,14 @@
           <a:lstStyle/>
           <a:p>
             <a:r>
-              <a:rPr lang="en-IN" dirty="0">
+              <a:rPr lang="en-US" dirty="0">
                 <a:solidFill>
-                  <a:schemeClr val="accent1"/>
+                  <a:schemeClr val="accent1">
+                    <a:lumMod val="75000"/>
+                  </a:schemeClr>
                 </a:solidFill>
               </a:rPr>
-              <a:t>Conclusion</a:t>
+              <a:t>Result:</a:t>
             </a:r>
           </a:p>
         </p:txBody>
@@ -6268,69 +6468,326 @@
           <p:cNvPr id="3" name="Content Placeholder 2">
             <a:extLst>
               <a:ext uri="{FF2B5EF4-FFF2-40B4-BE49-F238E27FC236}">
-                <a16:creationId xmlns:a16="http://schemas.microsoft.com/office/drawing/2014/main" id="{D4974547-DF1B-77BB-E545-9344EDB9AD3F}"/>
+                <a16:creationId xmlns:a16="http://schemas.microsoft.com/office/drawing/2014/main" id="{53C20541-B8CB-6D77-E8A2-31379BB933DB}"/>
               </a:ext>
             </a:extLst>
           </p:cNvPr>
-          <p:cNvSpPr>
-            <a:spLocks noGrp="1"/>
-          </p:cNvSpPr>
-          <p:nvPr>
-            <p:ph idx="1"/>
-          </p:nvPr>
-        </p:nvSpPr>
-        <p:spPr/>
+          <p:cNvSpPr txBox="1">
+            <a:spLocks/>
+          </p:cNvSpPr>
+          <p:nvPr/>
+        </p:nvSpPr>
+        <p:spPr>
+          <a:xfrm>
+            <a:off x="581192" y="1457325"/>
+            <a:ext cx="11029615" cy="2957513"/>
+          </a:xfrm>
+          <a:prstGeom prst="rect">
+            <a:avLst/>
+          </a:prstGeom>
+        </p:spPr>
         <p:txBody>
           <a:bodyPr/>
-          <a:lstStyle/>
-          <a:p>
-            <a:r>
-              <a:rPr lang="en-US" sz="2400" b="1" dirty="0">
+          <a:lstStyle>
+            <a:lvl1pPr marL="306000" indent="-306000" algn="l" defTabSz="457200" rtl="0" eaLnBrk="1" latinLnBrk="0" hangingPunct="1">
+              <a:lnSpc>
+                <a:spcPct val="110000"/>
+              </a:lnSpc>
+              <a:spcBef>
+                <a:spcPct val="20000"/>
+              </a:spcBef>
+              <a:spcAft>
+                <a:spcPts val="600"/>
+              </a:spcAft>
+              <a:buClr>
+                <a:schemeClr val="accent1"/>
+              </a:buClr>
+              <a:buSzPct val="92000"/>
+              <a:buFont typeface="Wingdings 2" panose="05020102010507070707" pitchFamily="18" charset="2"/>
+              <a:buChar char=""/>
+              <a:defRPr sz="1700" kern="1200">
+                <a:solidFill>
+                  <a:schemeClr val="tx1">
+                    <a:lumMod val="75000"/>
+                    <a:lumOff val="25000"/>
+                  </a:schemeClr>
+                </a:solidFill>
+                <a:latin typeface="+mn-lt"/>
+                <a:ea typeface="+mn-ea"/>
+                <a:cs typeface="+mn-cs"/>
+              </a:defRPr>
+            </a:lvl1pPr>
+            <a:lvl2pPr marL="630000" indent="-306000" algn="l" defTabSz="457200" rtl="0" eaLnBrk="1" latinLnBrk="0" hangingPunct="1">
+              <a:spcBef>
+                <a:spcPct val="20000"/>
+              </a:spcBef>
+              <a:spcAft>
+                <a:spcPts val="600"/>
+              </a:spcAft>
+              <a:buClr>
+                <a:schemeClr val="accent1"/>
+              </a:buClr>
+              <a:buSzPct val="92000"/>
+              <a:buFont typeface="Wingdings 2" panose="05020102010507070707" pitchFamily="18" charset="2"/>
+              <a:buChar char=""/>
+              <a:defRPr sz="1400" kern="1200">
+                <a:solidFill>
+                  <a:schemeClr val="tx1">
+                    <a:lumMod val="75000"/>
+                    <a:lumOff val="25000"/>
+                  </a:schemeClr>
+                </a:solidFill>
+                <a:latin typeface="+mn-lt"/>
+                <a:ea typeface="+mn-ea"/>
+                <a:cs typeface="+mn-cs"/>
+              </a:defRPr>
+            </a:lvl2pPr>
+            <a:lvl3pPr marL="900000" indent="-270000" algn="l" defTabSz="457200" rtl="0" eaLnBrk="1" latinLnBrk="0" hangingPunct="1">
+              <a:spcBef>
+                <a:spcPct val="20000"/>
+              </a:spcBef>
+              <a:spcAft>
+                <a:spcPts val="600"/>
+              </a:spcAft>
+              <a:buClr>
+                <a:schemeClr val="accent1"/>
+              </a:buClr>
+              <a:buSzPct val="92000"/>
+              <a:buFont typeface="Wingdings 2" panose="05020102010507070707" pitchFamily="18" charset="2"/>
+              <a:buChar char=""/>
+              <a:defRPr sz="1300" kern="1200">
+                <a:solidFill>
+                  <a:schemeClr val="tx1">
+                    <a:lumMod val="75000"/>
+                    <a:lumOff val="25000"/>
+                  </a:schemeClr>
+                </a:solidFill>
+                <a:latin typeface="+mn-lt"/>
+                <a:ea typeface="+mn-ea"/>
+                <a:cs typeface="+mn-cs"/>
+              </a:defRPr>
+            </a:lvl3pPr>
+            <a:lvl4pPr marL="1242000" indent="-234000" algn="l" defTabSz="457200" rtl="0" eaLnBrk="1" latinLnBrk="0" hangingPunct="1">
+              <a:spcBef>
+                <a:spcPct val="20000"/>
+              </a:spcBef>
+              <a:spcAft>
+                <a:spcPts val="600"/>
+              </a:spcAft>
+              <a:buClr>
+                <a:schemeClr val="accent1"/>
+              </a:buClr>
+              <a:buSzPct val="92000"/>
+              <a:buFont typeface="Wingdings 2" panose="05020102010507070707" pitchFamily="18" charset="2"/>
+              <a:buChar char=""/>
+              <a:defRPr sz="1100" kern="1200">
+                <a:solidFill>
+                  <a:schemeClr val="tx1">
+                    <a:lumMod val="75000"/>
+                    <a:lumOff val="25000"/>
+                  </a:schemeClr>
+                </a:solidFill>
+                <a:latin typeface="+mn-lt"/>
+                <a:ea typeface="+mn-ea"/>
+                <a:cs typeface="+mn-cs"/>
+              </a:defRPr>
+            </a:lvl4pPr>
+            <a:lvl5pPr marL="1602000" indent="-234000" algn="l" defTabSz="457200" rtl="0" eaLnBrk="1" latinLnBrk="0" hangingPunct="1">
+              <a:spcBef>
+                <a:spcPct val="20000"/>
+              </a:spcBef>
+              <a:spcAft>
+                <a:spcPts val="600"/>
+              </a:spcAft>
+              <a:buClr>
+                <a:schemeClr val="accent1"/>
+              </a:buClr>
+              <a:buSzPct val="92000"/>
+              <a:buFont typeface="Wingdings 2" panose="05020102010507070707" pitchFamily="18" charset="2"/>
+              <a:buChar char=""/>
+              <a:defRPr sz="1100" kern="1200">
+                <a:solidFill>
+                  <a:schemeClr val="tx1">
+                    <a:lumMod val="75000"/>
+                    <a:lumOff val="25000"/>
+                  </a:schemeClr>
+                </a:solidFill>
+                <a:latin typeface="+mn-lt"/>
+                <a:ea typeface="+mn-ea"/>
+                <a:cs typeface="+mn-cs"/>
+              </a:defRPr>
+            </a:lvl5pPr>
+            <a:lvl6pPr marL="1900000" indent="-228600" algn="l" defTabSz="457200" rtl="0" eaLnBrk="1" latinLnBrk="0" hangingPunct="1">
+              <a:spcBef>
+                <a:spcPct val="20000"/>
+              </a:spcBef>
+              <a:spcAft>
+                <a:spcPts val="600"/>
+              </a:spcAft>
+              <a:buClr>
+                <a:schemeClr val="accent2"/>
+              </a:buClr>
+              <a:buSzPct val="92000"/>
+              <a:buFont typeface="Wingdings 2" panose="05020102010507070707" pitchFamily="18" charset="2"/>
+              <a:buChar char=""/>
+              <a:defRPr sz="1200" kern="1200">
+                <a:solidFill>
+                  <a:schemeClr val="tx2"/>
+                </a:solidFill>
+                <a:latin typeface="+mn-lt"/>
+                <a:ea typeface="+mn-ea"/>
+                <a:cs typeface="+mn-cs"/>
+              </a:defRPr>
+            </a:lvl6pPr>
+            <a:lvl7pPr marL="2200000" indent="-228600" algn="l" defTabSz="457200" rtl="0" eaLnBrk="1" latinLnBrk="0" hangingPunct="1">
+              <a:spcBef>
+                <a:spcPct val="20000"/>
+              </a:spcBef>
+              <a:spcAft>
+                <a:spcPts val="600"/>
+              </a:spcAft>
+              <a:buClr>
+                <a:schemeClr val="accent2"/>
+              </a:buClr>
+              <a:buSzPct val="92000"/>
+              <a:buFont typeface="Wingdings 2" panose="05020102010507070707" pitchFamily="18" charset="2"/>
+              <a:buChar char=""/>
+              <a:defRPr sz="1200" kern="1200">
+                <a:solidFill>
+                  <a:schemeClr val="tx2"/>
+                </a:solidFill>
+                <a:latin typeface="+mn-lt"/>
+                <a:ea typeface="+mn-ea"/>
+                <a:cs typeface="+mn-cs"/>
+              </a:defRPr>
+            </a:lvl7pPr>
+            <a:lvl8pPr marL="2500000" indent="-228600" algn="l" defTabSz="457200" rtl="0" eaLnBrk="1" latinLnBrk="0" hangingPunct="1">
+              <a:spcBef>
+                <a:spcPct val="20000"/>
+              </a:spcBef>
+              <a:spcAft>
+                <a:spcPts val="600"/>
+              </a:spcAft>
+              <a:buClr>
+                <a:schemeClr val="accent2"/>
+              </a:buClr>
+              <a:buSzPct val="92000"/>
+              <a:buFont typeface="Wingdings 2" panose="05020102010507070707" pitchFamily="18" charset="2"/>
+              <a:buChar char=""/>
+              <a:defRPr sz="1200" kern="1200">
+                <a:solidFill>
+                  <a:schemeClr val="tx2"/>
+                </a:solidFill>
+                <a:latin typeface="+mn-lt"/>
+                <a:ea typeface="+mn-ea"/>
+                <a:cs typeface="+mn-cs"/>
+              </a:defRPr>
+            </a:lvl8pPr>
+            <a:lvl9pPr marL="2800000" indent="-228600" algn="l" defTabSz="457200" rtl="0" eaLnBrk="1" latinLnBrk="0" hangingPunct="1">
+              <a:spcBef>
+                <a:spcPct val="20000"/>
+              </a:spcBef>
+              <a:spcAft>
+                <a:spcPts val="600"/>
+              </a:spcAft>
+              <a:buClr>
+                <a:schemeClr val="accent2"/>
+              </a:buClr>
+              <a:buSzPct val="92000"/>
+              <a:buFont typeface="Wingdings 2" panose="05020102010507070707" pitchFamily="18" charset="2"/>
+              <a:buChar char=""/>
+              <a:defRPr sz="1200" kern="1200">
+                <a:solidFill>
+                  <a:schemeClr val="tx2"/>
+                </a:solidFill>
+                <a:latin typeface="+mn-lt"/>
+                <a:ea typeface="+mn-ea"/>
+                <a:cs typeface="+mn-cs"/>
+              </a:defRPr>
+            </a:lvl9pPr>
+          </a:lstStyle>
+          <a:p>
+            <a:r>
+              <a:rPr lang="en-US" sz="2400" dirty="0">
                 <a:latin typeface="Arial" panose="020B0604020202020204" pitchFamily="34" charset="0"/>
                 <a:cs typeface="Arial" panose="020B0604020202020204" pitchFamily="34" charset="0"/>
               </a:rPr>
-              <a:t>The project successfully implements secure data hiding in images using AES encryption and LSB steganography .</a:t>
-            </a:r>
-          </a:p>
-          <a:p>
-            <a:r>
-              <a:rPr lang="en-US" sz="2400" b="1" dirty="0">
-                <a:latin typeface="Arial" panose="020B0604020202020204" pitchFamily="34" charset="0"/>
-                <a:cs typeface="Arial" panose="020B0604020202020204" pitchFamily="34" charset="0"/>
-              </a:rPr>
-              <a:t>It addresses the problem of secure data transmission by combining encryption and steganography.</a:t>
-            </a:r>
-          </a:p>
-          <a:p>
-            <a:r>
-              <a:rPr lang="en-US" sz="2400" b="1" dirty="0">
-                <a:latin typeface="Arial" panose="020B0604020202020204" pitchFamily="34" charset="0"/>
-                <a:cs typeface="Arial" panose="020B0604020202020204" pitchFamily="34" charset="0"/>
-              </a:rPr>
-              <a:t>The solution is robust, user-friendly, and suitable for real-world applications.</a:t>
-            </a:r>
-          </a:p>
-          <a:p>
-            <a:r>
-              <a:rPr lang="en-US" sz="2400" b="1" dirty="0">
-                <a:latin typeface="Arial" panose="020B0604020202020204" pitchFamily="34" charset="0"/>
-                <a:cs typeface="Arial" panose="020B0604020202020204" pitchFamily="34" charset="0"/>
-              </a:rPr>
-              <a:t>Future enhancements can include support for additional file formats and improved error handling.</a:t>
+              <a:t>.</a:t>
             </a:r>
           </a:p>
           <a:p>
             <a:pPr marL="0" indent="0">
+              <a:buFont typeface="Wingdings 2" panose="05020102010507070707" pitchFamily="18" charset="2"/>
               <a:buNone/>
             </a:pPr>
             <a:endParaRPr lang="en-IN" dirty="0"/>
           </a:p>
         </p:txBody>
       </p:sp>
+      <p:pic>
+        <p:nvPicPr>
+          <p:cNvPr id="5" name="Picture 4">
+            <a:extLst>
+              <a:ext uri="{FF2B5EF4-FFF2-40B4-BE49-F238E27FC236}">
+                <a16:creationId xmlns:a16="http://schemas.microsoft.com/office/drawing/2014/main" id="{6068D0C7-78C8-9483-56A1-2199B4D0253B}"/>
+              </a:ext>
+            </a:extLst>
+          </p:cNvPr>
+          <p:cNvPicPr>
+            <a:picLocks noChangeAspect="1"/>
+          </p:cNvPicPr>
+          <p:nvPr/>
+        </p:nvPicPr>
+        <p:blipFill>
+          <a:blip r:embed="rId2"/>
+          <a:stretch>
+            <a:fillRect/>
+          </a:stretch>
+        </p:blipFill>
+        <p:spPr>
+          <a:xfrm>
+            <a:off x="575895" y="1457325"/>
+            <a:ext cx="5520106" cy="4743837"/>
+          </a:xfrm>
+          <a:prstGeom prst="rect">
+            <a:avLst/>
+          </a:prstGeom>
+        </p:spPr>
+      </p:pic>
+      <p:pic>
+        <p:nvPicPr>
+          <p:cNvPr id="7" name="Picture 6">
+            <a:extLst>
+              <a:ext uri="{FF2B5EF4-FFF2-40B4-BE49-F238E27FC236}">
+                <a16:creationId xmlns:a16="http://schemas.microsoft.com/office/drawing/2014/main" id="{A1EB9122-C6CF-6BC5-99F8-70DB5C207950}"/>
+              </a:ext>
+            </a:extLst>
+          </p:cNvPr>
+          <p:cNvPicPr>
+            <a:picLocks noChangeAspect="1"/>
+          </p:cNvPicPr>
+          <p:nvPr/>
+        </p:nvPicPr>
+        <p:blipFill>
+          <a:blip r:embed="rId3"/>
+          <a:stretch>
+            <a:fillRect/>
+          </a:stretch>
+        </p:blipFill>
+        <p:spPr>
+          <a:xfrm>
+            <a:off x="6332220" y="1457324"/>
+            <a:ext cx="5520106" cy="4743838"/>
+          </a:xfrm>
+          <a:prstGeom prst="rect">
+            <a:avLst/>
+          </a:prstGeom>
+        </p:spPr>
+      </p:pic>
     </p:spTree>
     <p:extLst>
       <p:ext uri="{BB962C8B-B14F-4D97-AF65-F5344CB8AC3E}">
-        <p14:creationId xmlns:p14="http://schemas.microsoft.com/office/powerpoint/2010/main" val="4233882376"/>
+        <p14:creationId xmlns:p14="http://schemas.microsoft.com/office/powerpoint/2010/main" val="1669104338"/>
       </p:ext>
     </p:extLst>
   </p:cSld>
@@ -6362,7 +6819,7 @@
           <p:cNvPr id="2" name="Title 1">
             <a:extLst>
               <a:ext uri="{FF2B5EF4-FFF2-40B4-BE49-F238E27FC236}">
-                <a16:creationId xmlns:a16="http://schemas.microsoft.com/office/drawing/2014/main" id="{48E9F08C-D61F-627D-C4E5-397E3E84FC45}"/>
+                <a16:creationId xmlns:a16="http://schemas.microsoft.com/office/drawing/2014/main" id="{FA4C6B3D-1072-C2D2-EBFE-E33CABE394D1}"/>
               </a:ext>
             </a:extLst>
           </p:cNvPr>
@@ -6384,7 +6841,7 @@
                   <a:schemeClr val="accent1"/>
                 </a:solidFill>
               </a:rPr>
-              <a:t>GitHub Link</a:t>
+              <a:t>Conclusion</a:t>
             </a:r>
           </a:p>
         </p:txBody>
@@ -6394,7 +6851,7 @@
           <p:cNvPr id="3" name="Content Placeholder 2">
             <a:extLst>
               <a:ext uri="{FF2B5EF4-FFF2-40B4-BE49-F238E27FC236}">
-                <a16:creationId xmlns:a16="http://schemas.microsoft.com/office/drawing/2014/main" id="{51A299DD-46FA-7866-41D8-C1BFCC2F69DD}"/>
+                <a16:creationId xmlns:a16="http://schemas.microsoft.com/office/drawing/2014/main" id="{D4974547-DF1B-77BB-E545-9344EDB9AD3F}"/>
               </a:ext>
             </a:extLst>
           </p:cNvPr>
@@ -6405,101 +6862,58 @@
             <p:ph idx="1"/>
           </p:nvPr>
         </p:nvSpPr>
-        <p:spPr>
-          <a:xfrm>
-            <a:off x="581191" y="1499249"/>
-            <a:ext cx="11029615" cy="2696233"/>
-          </a:xfrm>
-        </p:spPr>
-        <p:txBody>
-          <a:bodyPr>
-            <a:normAutofit fontScale="85000" lnSpcReduction="10000"/>
-          </a:bodyPr>
+        <p:spPr/>
+        <p:txBody>
+          <a:bodyPr/>
           <a:lstStyle/>
           <a:p>
             <a:r>
-              <a:rPr lang="en-US" sz="2600" b="1" dirty="0">
+              <a:rPr lang="en-US" sz="2400" b="1" dirty="0">
                 <a:latin typeface="Arial" panose="020B0604020202020204" pitchFamily="34" charset="0"/>
                 <a:cs typeface="Arial" panose="020B0604020202020204" pitchFamily="34" charset="0"/>
               </a:rPr>
-              <a:t>Repository: </a:t>
-            </a:r>
-            <a:r>
-              <a:rPr lang="en-US" sz="2600" b="1" dirty="0">
+              <a:t>The project successfully implements secure data hiding in images using AES encryption and LSB steganography .</a:t>
+            </a:r>
+          </a:p>
+          <a:p>
+            <a:r>
+              <a:rPr lang="en-US" sz="2400" b="1" dirty="0">
                 <a:latin typeface="Arial" panose="020B0604020202020204" pitchFamily="34" charset="0"/>
                 <a:cs typeface="Arial" panose="020B0604020202020204" pitchFamily="34" charset="0"/>
-                <a:hlinkClick r:id="rId2"/>
-              </a:rPr>
-              <a:t>https://github.com/devilakshmid19/steganography/</a:t>
-            </a:r>
-            <a:endParaRPr lang="en-US" sz="2600" b="1" dirty="0">
-              <a:latin typeface="Arial" panose="020B0604020202020204" pitchFamily="34" charset="0"/>
-              <a:cs typeface="Arial" panose="020B0604020202020204" pitchFamily="34" charset="0"/>
-            </a:endParaRPr>
-          </a:p>
-          <a:p>
-            <a:r>
-              <a:rPr lang="en-US" sz="2600" b="1" dirty="0">
+              </a:rPr>
+              <a:t>It addresses the problem of secure data transmission by combining encryption and steganography.</a:t>
+            </a:r>
+          </a:p>
+          <a:p>
+            <a:r>
+              <a:rPr lang="en-US" sz="2400" b="1" dirty="0">
                 <a:latin typeface="Arial" panose="020B0604020202020204" pitchFamily="34" charset="0"/>
                 <a:cs typeface="Arial" panose="020B0604020202020204" pitchFamily="34" charset="0"/>
               </a:rPr>
-              <a:t>README File : </a:t>
-            </a:r>
-            <a:r>
-              <a:rPr lang="en-US" sz="2600" b="1" dirty="0">
+              <a:t>The solution is robust, user-friendly, and suitable for real-world applications.</a:t>
+            </a:r>
+          </a:p>
+          <a:p>
+            <a:r>
+              <a:rPr lang="en-US" sz="2400" b="1" dirty="0">
                 <a:latin typeface="Arial" panose="020B0604020202020204" pitchFamily="34" charset="0"/>
                 <a:cs typeface="Arial" panose="020B0604020202020204" pitchFamily="34" charset="0"/>
-                <a:hlinkClick r:id="rId3"/>
-              </a:rPr>
-              <a:t>https://github.com/devilakshmid19/steganography/blob/main/README.md</a:t>
-            </a:r>
-            <a:endParaRPr lang="en-US" sz="2600" b="1" dirty="0">
-              <a:latin typeface="Arial" panose="020B0604020202020204" pitchFamily="34" charset="0"/>
-              <a:cs typeface="Arial" panose="020B0604020202020204" pitchFamily="34" charset="0"/>
-            </a:endParaRPr>
-          </a:p>
-          <a:p>
-            <a:r>
-              <a:rPr lang="en-US" sz="2600" b="1" dirty="0">
-                <a:latin typeface="Arial" panose="020B0604020202020204" pitchFamily="34" charset="0"/>
-                <a:cs typeface="Arial" panose="020B0604020202020204" pitchFamily="34" charset="0"/>
-              </a:rPr>
-              <a:t>Live Project : </a:t>
-            </a:r>
-            <a:r>
-              <a:rPr lang="en-US" sz="2600" b="1" dirty="0">
-                <a:latin typeface="Arial" panose="020B0604020202020204" pitchFamily="34" charset="0"/>
-                <a:cs typeface="Arial" panose="020B0604020202020204" pitchFamily="34" charset="0"/>
-                <a:hlinkClick r:id="rId4"/>
-              </a:rPr>
-              <a:t>https://devilakshmid19.github.io/steganography/</a:t>
-            </a:r>
-            <a:endParaRPr lang="en-US" sz="2600" b="1" dirty="0">
-              <a:latin typeface="Arial" panose="020B0604020202020204" pitchFamily="34" charset="0"/>
-              <a:cs typeface="Arial" panose="020B0604020202020204" pitchFamily="34" charset="0"/>
-            </a:endParaRPr>
-          </a:p>
-          <a:p>
-            <a:endParaRPr lang="en-US" sz="2000" b="1" dirty="0">
-              <a:latin typeface="Arial" panose="020B0604020202020204" pitchFamily="34" charset="0"/>
-              <a:cs typeface="Arial" panose="020B0604020202020204" pitchFamily="34" charset="0"/>
-            </a:endParaRPr>
+              </a:rPr>
+              <a:t>Future enhancements can include support for additional file formats and improved error handling.</a:t>
+            </a:r>
           </a:p>
           <a:p>
             <a:pPr marL="0" indent="0">
               <a:buNone/>
             </a:pPr>
-            <a:r>
-              <a:rPr lang="en-IN" dirty="0"/>
-              <a:t> </a:t>
-            </a:r>
+            <a:endParaRPr lang="en-IN" dirty="0"/>
           </a:p>
         </p:txBody>
       </p:sp>
     </p:spTree>
     <p:extLst>
       <p:ext uri="{BB962C8B-B14F-4D97-AF65-F5344CB8AC3E}">
-        <p14:creationId xmlns:p14="http://schemas.microsoft.com/office/powerpoint/2010/main" val="2230664768"/>
+        <p14:creationId xmlns:p14="http://schemas.microsoft.com/office/powerpoint/2010/main" val="4233882376"/>
       </p:ext>
     </p:extLst>
   </p:cSld>
@@ -7074,23 +7488,6 @@
 </file>
 
 <file path=customXml/item1.xml><?xml version="1.0" encoding="utf-8"?>
-<p:properties xmlns:p="http://schemas.microsoft.com/office/2006/metadata/properties" xmlns:xsi="http://www.w3.org/2001/XMLSchema-instance" xmlns:pc="http://schemas.microsoft.com/office/infopath/2007/PartnerControls">
-  <documentManagement>
-    <_activity xmlns="b30265f8-c5e2-4918-b4a1-b977299ca3e2" xsi:nil="true"/>
-  </documentManagement>
-</p:properties>
-</file>
-
-<file path=customXml/item2.xml><?xml version="1.0" encoding="utf-8"?>
-<?mso-contentType ?>
-<FormTemplates xmlns="http://schemas.microsoft.com/sharepoint/v3/contenttype/forms">
-  <Display>DocumentLibraryForm</Display>
-  <Edit>DocumentLibraryForm</Edit>
-  <New>DocumentLibraryForm</New>
-</FormTemplates>
-</file>
-
-<file path=customXml/item3.xml><?xml version="1.0" encoding="utf-8"?>
 <ct:contentTypeSchema xmlns:ct="http://schemas.microsoft.com/office/2006/metadata/contentType" xmlns:ma="http://schemas.microsoft.com/office/2006/metadata/properties/metaAttributes" ct:_="" ma:_="" ma:contentTypeName="Document" ma:contentTypeID="0x0101007F0268AC5E70984D8FE60B7154176407" ma:contentTypeVersion="15" ma:contentTypeDescription="Create a new document." ma:contentTypeScope="" ma:versionID="104e359103f0f57b1cf9676756e5b944">
   <xsd:schema xmlns:xsd="http://www.w3.org/2001/XMLSchema" xmlns:xs="http://www.w3.org/2001/XMLSchema" xmlns:p="http://schemas.microsoft.com/office/2006/metadata/properties" xmlns:ns3="b30265f8-c5e2-4918-b4a1-b977299ca3e2" xmlns:ns4="fadb41d3-f9cb-40fb-903c-8cacaba95bb5" targetNamespace="http://schemas.microsoft.com/office/2006/metadata/properties" ma:root="true" ma:fieldsID="5615b8f8aa772998bad551f24a33de0e" ns3:_="" ns4:_="">
     <xsd:import namespace="b30265f8-c5e2-4918-b4a1-b977299ca3e2"/>
@@ -7323,32 +7720,24 @@
 </ct:contentTypeSchema>
 </file>
 
-<file path=customXml/itemProps1.xml><?xml version="1.0" encoding="utf-8"?>
-<ds:datastoreItem xmlns:ds="http://schemas.openxmlformats.org/officeDocument/2006/customXml" ds:itemID="{8D289AE2-D2AE-49D1-AFAC-3A79F6794255}">
-  <ds:schemaRefs>
-    <ds:schemaRef ds:uri="http://purl.org/dc/terms/"/>
-    <ds:schemaRef ds:uri="http://purl.org/dc/elements/1.1/"/>
-    <ds:schemaRef ds:uri="http://schemas.microsoft.com/office/infopath/2007/PartnerControls"/>
-    <ds:schemaRef ds:uri="http://schemas.microsoft.com/office/2006/metadata/properties"/>
-    <ds:schemaRef ds:uri="http://schemas.microsoft.com/office/2006/documentManagement/types"/>
-    <ds:schemaRef ds:uri="http://schemas.openxmlformats.org/package/2006/metadata/core-properties"/>
-    <ds:schemaRef ds:uri="http://purl.org/dc/dcmitype/"/>
-    <ds:schemaRef ds:uri="http://www.w3.org/XML/1998/namespace"/>
-    <ds:schemaRef ds:uri="fadb41d3-f9cb-40fb-903c-8cacaba95bb5"/>
-    <ds:schemaRef ds:uri="b30265f8-c5e2-4918-b4a1-b977299ca3e2"/>
-  </ds:schemaRefs>
-</ds:datastoreItem>
+<file path=customXml/item2.xml><?xml version="1.0" encoding="utf-8"?>
+<?mso-contentType ?>
+<FormTemplates xmlns="http://schemas.microsoft.com/sharepoint/v3/contenttype/forms">
+  <Display>DocumentLibraryForm</Display>
+  <Edit>DocumentLibraryForm</Edit>
+  <New>DocumentLibraryForm</New>
+</FormTemplates>
 </file>
 
-<file path=customXml/itemProps2.xml><?xml version="1.0" encoding="utf-8"?>
-<ds:datastoreItem xmlns:ds="http://schemas.openxmlformats.org/officeDocument/2006/customXml" ds:itemID="{927BD4C1-B6B1-4715-ABF9-E660A51A4EA0}">
-  <ds:schemaRefs>
-    <ds:schemaRef ds:uri="http://schemas.microsoft.com/sharepoint/v3/contenttype/forms"/>
-  </ds:schemaRefs>
-</ds:datastoreItem>
+<file path=customXml/item3.xml><?xml version="1.0" encoding="utf-8"?>
+<p:properties xmlns:p="http://schemas.microsoft.com/office/2006/metadata/properties" xmlns:xsi="http://www.w3.org/2001/XMLSchema-instance" xmlns:pc="http://schemas.microsoft.com/office/infopath/2007/PartnerControls">
+  <documentManagement>
+    <_activity xmlns="b30265f8-c5e2-4918-b4a1-b977299ca3e2" xsi:nil="true"/>
+  </documentManagement>
+</p:properties>
 </file>
 
-<file path=customXml/itemProps3.xml><?xml version="1.0" encoding="utf-8"?>
+<file path=customXml/itemProps1.xml><?xml version="1.0" encoding="utf-8"?>
 <ds:datastoreItem xmlns:ds="http://schemas.openxmlformats.org/officeDocument/2006/customXml" ds:itemID="{9DD71778-17EE-4151-88AE-C8F4E8043BD9}">
   <ds:schemaRefs>
     <ds:schemaRef ds:uri="http://schemas.microsoft.com/office/2006/metadata/contentType"/>
@@ -7365,4 +7754,29 @@
     <ds:schemaRef ds:uri="http://schemas.microsoft.com/internal/obd"/>
   </ds:schemaRefs>
 </ds:datastoreItem>
+</file>
+
+<file path=customXml/itemProps2.xml><?xml version="1.0" encoding="utf-8"?>
+<ds:datastoreItem xmlns:ds="http://schemas.openxmlformats.org/officeDocument/2006/customXml" ds:itemID="{927BD4C1-B6B1-4715-ABF9-E660A51A4EA0}">
+  <ds:schemaRefs>
+    <ds:schemaRef ds:uri="http://schemas.microsoft.com/sharepoint/v3/contenttype/forms"/>
+  </ds:schemaRefs>
+</ds:datastoreItem>
+</file>
+
+<file path=customXml/itemProps3.xml><?xml version="1.0" encoding="utf-8"?>
+<ds:datastoreItem xmlns:ds="http://schemas.openxmlformats.org/officeDocument/2006/customXml" ds:itemID="{8D289AE2-D2AE-49D1-AFAC-3A79F6794255}">
+  <ds:schemaRefs>
+    <ds:schemaRef ds:uri="http://purl.org/dc/terms/"/>
+    <ds:schemaRef ds:uri="http://purl.org/dc/elements/1.1/"/>
+    <ds:schemaRef ds:uri="http://schemas.microsoft.com/office/infopath/2007/PartnerControls"/>
+    <ds:schemaRef ds:uri="http://schemas.microsoft.com/office/2006/metadata/properties"/>
+    <ds:schemaRef ds:uri="http://schemas.microsoft.com/office/2006/documentManagement/types"/>
+    <ds:schemaRef ds:uri="http://schemas.openxmlformats.org/package/2006/metadata/core-properties"/>
+    <ds:schemaRef ds:uri="http://purl.org/dc/dcmitype/"/>
+    <ds:schemaRef ds:uri="http://www.w3.org/XML/1998/namespace"/>
+    <ds:schemaRef ds:uri="fadb41d3-f9cb-40fb-903c-8cacaba95bb5"/>
+    <ds:schemaRef ds:uri="b30265f8-c5e2-4918-b4a1-b977299ca3e2"/>
+  </ds:schemaRefs>
+</ds:datastoreItem>
 </file>